--- a/Decision_Tree/Decision_Tree.pptx
+++ b/Decision_Tree/Decision_Tree.pptx
@@ -115,6 +115,11 @@
       </a:defRPr>
     </a:lvl9pPr>
   </p:defaultTextStyle>
+  <p:extLst>
+    <p:ext uri="{EFAFB233-063F-42B5-8137-9DF3F51BA10A}">
+      <p15:sldGuideLst xmlns:p15="http://schemas.microsoft.com/office/powerpoint/2012/main"/>
+    </p:ext>
+  </p:extLst>
 </p:presentation>
 </file>
 
@@ -299,7 +304,7 @@
           <a:p>
             <a:fld id="{5F8CD46C-B6EC-46D4-BE1A-0503F00DE6A8}" type="datetimeFigureOut">
               <a:rPr lang="en-US" smtClean="0"/>
-              <a:t>1/16/2019</a:t>
+              <a:t>1/19/2019</a:t>
             </a:fld>
             <a:endParaRPr lang="en-US"/>
           </a:p>
@@ -469,7 +474,7 @@
           <a:p>
             <a:fld id="{5F8CD46C-B6EC-46D4-BE1A-0503F00DE6A8}" type="datetimeFigureOut">
               <a:rPr lang="en-US" smtClean="0"/>
-              <a:t>1/16/2019</a:t>
+              <a:t>1/19/2019</a:t>
             </a:fld>
             <a:endParaRPr lang="en-US"/>
           </a:p>
@@ -649,7 +654,7 @@
           <a:p>
             <a:fld id="{5F8CD46C-B6EC-46D4-BE1A-0503F00DE6A8}" type="datetimeFigureOut">
               <a:rPr lang="en-US" smtClean="0"/>
-              <a:t>1/16/2019</a:t>
+              <a:t>1/19/2019</a:t>
             </a:fld>
             <a:endParaRPr lang="en-US"/>
           </a:p>
@@ -819,7 +824,7 @@
           <a:p>
             <a:fld id="{5F8CD46C-B6EC-46D4-BE1A-0503F00DE6A8}" type="datetimeFigureOut">
               <a:rPr lang="en-US" smtClean="0"/>
-              <a:t>1/16/2019</a:t>
+              <a:t>1/19/2019</a:t>
             </a:fld>
             <a:endParaRPr lang="en-US"/>
           </a:p>
@@ -1065,7 +1070,7 @@
           <a:p>
             <a:fld id="{5F8CD46C-B6EC-46D4-BE1A-0503F00DE6A8}" type="datetimeFigureOut">
               <a:rPr lang="en-US" smtClean="0"/>
-              <a:t>1/16/2019</a:t>
+              <a:t>1/19/2019</a:t>
             </a:fld>
             <a:endParaRPr lang="en-US"/>
           </a:p>
@@ -1353,7 +1358,7 @@
           <a:p>
             <a:fld id="{5F8CD46C-B6EC-46D4-BE1A-0503F00DE6A8}" type="datetimeFigureOut">
               <a:rPr lang="en-US" smtClean="0"/>
-              <a:t>1/16/2019</a:t>
+              <a:t>1/19/2019</a:t>
             </a:fld>
             <a:endParaRPr lang="en-US"/>
           </a:p>
@@ -1775,7 +1780,7 @@
           <a:p>
             <a:fld id="{5F8CD46C-B6EC-46D4-BE1A-0503F00DE6A8}" type="datetimeFigureOut">
               <a:rPr lang="en-US" smtClean="0"/>
-              <a:t>1/16/2019</a:t>
+              <a:t>1/19/2019</a:t>
             </a:fld>
             <a:endParaRPr lang="en-US"/>
           </a:p>
@@ -1893,7 +1898,7 @@
           <a:p>
             <a:fld id="{5F8CD46C-B6EC-46D4-BE1A-0503F00DE6A8}" type="datetimeFigureOut">
               <a:rPr lang="en-US" smtClean="0"/>
-              <a:t>1/16/2019</a:t>
+              <a:t>1/19/2019</a:t>
             </a:fld>
             <a:endParaRPr lang="en-US"/>
           </a:p>
@@ -1988,7 +1993,7 @@
           <a:p>
             <a:fld id="{5F8CD46C-B6EC-46D4-BE1A-0503F00DE6A8}" type="datetimeFigureOut">
               <a:rPr lang="en-US" smtClean="0"/>
-              <a:t>1/16/2019</a:t>
+              <a:t>1/19/2019</a:t>
             </a:fld>
             <a:endParaRPr lang="en-US"/>
           </a:p>
@@ -2265,7 +2270,7 @@
           <a:p>
             <a:fld id="{5F8CD46C-B6EC-46D4-BE1A-0503F00DE6A8}" type="datetimeFigureOut">
               <a:rPr lang="en-US" smtClean="0"/>
-              <a:t>1/16/2019</a:t>
+              <a:t>1/19/2019</a:t>
             </a:fld>
             <a:endParaRPr lang="en-US"/>
           </a:p>
@@ -2522,7 +2527,7 @@
           <a:p>
             <a:fld id="{5F8CD46C-B6EC-46D4-BE1A-0503F00DE6A8}" type="datetimeFigureOut">
               <a:rPr lang="en-US" smtClean="0"/>
-              <a:t>1/16/2019</a:t>
+              <a:t>1/19/2019</a:t>
             </a:fld>
             <a:endParaRPr lang="en-US"/>
           </a:p>
@@ -2733,7 +2738,7 @@
           <a:p>
             <a:fld id="{5F8CD46C-B6EC-46D4-BE1A-0503F00DE6A8}" type="datetimeFigureOut">
               <a:rPr lang="en-US" smtClean="0"/>
-              <a:t>1/16/2019</a:t>
+              <a:t>1/19/2019</a:t>
             </a:fld>
             <a:endParaRPr lang="en-US"/>
           </a:p>
@@ -3212,11 +3217,6 @@
               </a:rPr>
               <a:t>Tree</a:t>
             </a:r>
-            <a:endParaRPr lang="en-US" sz="4000" dirty="0">
-              <a:solidFill>
-                <a:schemeClr val="tx2"/>
-              </a:solidFill>
-            </a:endParaRPr>
           </a:p>
         </p:txBody>
       </p:sp>
@@ -20560,11 +20560,6 @@
               </a:rPr>
               <a:t>segments</a:t>
             </a:r>
-            <a:endParaRPr lang="en-US" dirty="0">
-              <a:solidFill>
-                <a:schemeClr val="tx2"/>
-              </a:solidFill>
-            </a:endParaRPr>
           </a:p>
         </p:txBody>
       </p:sp>
@@ -21103,7 +21098,7 @@
         </p:blipFill>
         <p:spPr>
           <a:xfrm>
-            <a:off x="6525491" y="1154607"/>
+            <a:off x="5786455" y="1154607"/>
             <a:ext cx="5416592" cy="3924848"/>
           </a:xfrm>
           <a:prstGeom prst="rect">
@@ -21193,6 +21188,14 @@
           <a:bodyPr/>
           <a:lstStyle/>
           <a:p>
+            <a:r>
+              <a:rPr lang="en-US">
+                <a:solidFill>
+                  <a:schemeClr val="tx2"/>
+                </a:solidFill>
+              </a:rPr>
+              <a:t>Decision Tree</a:t>
+            </a:r>
             <a:endParaRPr lang="en-US" dirty="0"/>
           </a:p>
         </p:txBody>
@@ -21832,7 +21835,7 @@
           <a:p>
             <a:fld id="{CE5545B6-6FDD-460F-A1D5-7DBF4363784A}" type="datetime3">
               <a:rPr lang="en-US" smtClean="0"/>
-              <a:t>17 January 2019</a:t>
+              <a:t>19 January 2019</a:t>
             </a:fld>
             <a:endParaRPr lang="en-US"/>
           </a:p>
